--- a/Evaluation 2/KAAVISH Evaluation II.pptx
+++ b/Evaluation 2/KAAVISH Evaluation II.pptx
@@ -7,10 +7,11 @@
   <p:sldIdLst>
     <p:sldId id="256" r:id="rId2"/>
     <p:sldId id="257" r:id="rId3"/>
-    <p:sldId id="258" r:id="rId4"/>
-    <p:sldId id="259" r:id="rId5"/>
-    <p:sldId id="260" r:id="rId6"/>
-    <p:sldId id="261" r:id="rId7"/>
+    <p:sldId id="262" r:id="rId4"/>
+    <p:sldId id="258" r:id="rId5"/>
+    <p:sldId id="259" r:id="rId6"/>
+    <p:sldId id="260" r:id="rId7"/>
+    <p:sldId id="261" r:id="rId8"/>
   </p:sldIdLst>
   <p:sldSz cx="12192000" cy="6858000"/>
   <p:notesSz cx="6858000" cy="9144000"/>
@@ -109,6 +110,11 @@
       </a:defRPr>
     </a:lvl9pPr>
   </p:defaultTextStyle>
+  <p:extLst>
+    <p:ext uri="{EFAFB233-063F-42B5-8137-9DF3F51BA10A}">
+      <p15:sldGuideLst xmlns:p15="http://schemas.microsoft.com/office/powerpoint/2012/main"/>
+    </p:ext>
+  </p:extLst>
 </p:presentation>
 </file>
 
@@ -298,7 +304,7 @@
           <a:p>
             <a:fld id="{1F82C0DB-6588-40A1-968A-C55591E162EB}" type="datetimeFigureOut">
               <a:rPr lang="en-US" smtClean="0"/>
-              <a:t>12/8/2019</a:t>
+              <a:t>12/9/2019</a:t>
             </a:fld>
             <a:endParaRPr lang="en-US"/>
           </a:p>
@@ -573,7 +579,7 @@
           <a:p>
             <a:fld id="{1F82C0DB-6588-40A1-968A-C55591E162EB}" type="datetimeFigureOut">
               <a:rPr lang="en-US" smtClean="0"/>
-              <a:t>12/8/2019</a:t>
+              <a:t>12/9/2019</a:t>
             </a:fld>
             <a:endParaRPr lang="en-US"/>
           </a:p>
@@ -767,7 +773,7 @@
           <a:p>
             <a:fld id="{1F82C0DB-6588-40A1-968A-C55591E162EB}" type="datetimeFigureOut">
               <a:rPr lang="en-US" smtClean="0"/>
-              <a:t>12/8/2019</a:t>
+              <a:t>12/9/2019</a:t>
             </a:fld>
             <a:endParaRPr lang="en-US"/>
           </a:p>
@@ -1040,7 +1046,7 @@
           <a:p>
             <a:fld id="{1F82C0DB-6588-40A1-968A-C55591E162EB}" type="datetimeFigureOut">
               <a:rPr lang="en-US" smtClean="0"/>
-              <a:t>12/8/2019</a:t>
+              <a:t>12/9/2019</a:t>
             </a:fld>
             <a:endParaRPr lang="en-US"/>
           </a:p>
@@ -1381,7 +1387,7 @@
           <a:p>
             <a:fld id="{1F82C0DB-6588-40A1-968A-C55591E162EB}" type="datetimeFigureOut">
               <a:rPr lang="en-US" smtClean="0"/>
-              <a:t>12/8/2019</a:t>
+              <a:t>12/9/2019</a:t>
             </a:fld>
             <a:endParaRPr lang="en-US"/>
           </a:p>
@@ -2004,7 +2010,7 @@
           <a:p>
             <a:fld id="{1F82C0DB-6588-40A1-968A-C55591E162EB}" type="datetimeFigureOut">
               <a:rPr lang="en-US" smtClean="0"/>
-              <a:t>12/8/2019</a:t>
+              <a:t>12/9/2019</a:t>
             </a:fld>
             <a:endParaRPr lang="en-US"/>
           </a:p>
@@ -2864,7 +2870,7 @@
           <a:p>
             <a:fld id="{1F82C0DB-6588-40A1-968A-C55591E162EB}" type="datetimeFigureOut">
               <a:rPr lang="en-US" smtClean="0"/>
-              <a:t>12/8/2019</a:t>
+              <a:t>12/9/2019</a:t>
             </a:fld>
             <a:endParaRPr lang="en-US"/>
           </a:p>
@@ -3034,7 +3040,7 @@
           <a:p>
             <a:fld id="{1F82C0DB-6588-40A1-968A-C55591E162EB}" type="datetimeFigureOut">
               <a:rPr lang="en-US" smtClean="0"/>
-              <a:t>12/8/2019</a:t>
+              <a:t>12/9/2019</a:t>
             </a:fld>
             <a:endParaRPr lang="en-US"/>
           </a:p>
@@ -3214,7 +3220,7 @@
           <a:p>
             <a:fld id="{1F82C0DB-6588-40A1-968A-C55591E162EB}" type="datetimeFigureOut">
               <a:rPr lang="en-US" smtClean="0"/>
-              <a:t>12/8/2019</a:t>
+              <a:t>12/9/2019</a:t>
             </a:fld>
             <a:endParaRPr lang="en-US"/>
           </a:p>
@@ -3384,7 +3390,7 @@
           <a:p>
             <a:fld id="{1F82C0DB-6588-40A1-968A-C55591E162EB}" type="datetimeFigureOut">
               <a:rPr lang="en-US" smtClean="0"/>
-              <a:t>12/8/2019</a:t>
+              <a:t>12/9/2019</a:t>
             </a:fld>
             <a:endParaRPr lang="en-US"/>
           </a:p>
@@ -3631,7 +3637,7 @@
           <a:p>
             <a:fld id="{1F82C0DB-6588-40A1-968A-C55591E162EB}" type="datetimeFigureOut">
               <a:rPr lang="en-US" smtClean="0"/>
-              <a:t>12/8/2019</a:t>
+              <a:t>12/9/2019</a:t>
             </a:fld>
             <a:endParaRPr lang="en-US"/>
           </a:p>
@@ -3923,7 +3929,7 @@
           <a:p>
             <a:fld id="{1F82C0DB-6588-40A1-968A-C55591E162EB}" type="datetimeFigureOut">
               <a:rPr lang="en-US" smtClean="0"/>
-              <a:t>12/8/2019</a:t>
+              <a:t>12/9/2019</a:t>
             </a:fld>
             <a:endParaRPr lang="en-US"/>
           </a:p>
@@ -4367,7 +4373,7 @@
           <a:p>
             <a:fld id="{1F82C0DB-6588-40A1-968A-C55591E162EB}" type="datetimeFigureOut">
               <a:rPr lang="en-US" smtClean="0"/>
-              <a:t>12/8/2019</a:t>
+              <a:t>12/9/2019</a:t>
             </a:fld>
             <a:endParaRPr lang="en-US"/>
           </a:p>
@@ -4485,7 +4491,7 @@
           <a:p>
             <a:fld id="{1F82C0DB-6588-40A1-968A-C55591E162EB}" type="datetimeFigureOut">
               <a:rPr lang="en-US" smtClean="0"/>
-              <a:t>12/8/2019</a:t>
+              <a:t>12/9/2019</a:t>
             </a:fld>
             <a:endParaRPr lang="en-US"/>
           </a:p>
@@ -4580,7 +4586,7 @@
           <a:p>
             <a:fld id="{1F82C0DB-6588-40A1-968A-C55591E162EB}" type="datetimeFigureOut">
               <a:rPr lang="en-US" smtClean="0"/>
-              <a:t>12/8/2019</a:t>
+              <a:t>12/9/2019</a:t>
             </a:fld>
             <a:endParaRPr lang="en-US"/>
           </a:p>
@@ -4859,7 +4865,7 @@
           <a:p>
             <a:fld id="{1F82C0DB-6588-40A1-968A-C55591E162EB}" type="datetimeFigureOut">
               <a:rPr lang="en-US" smtClean="0"/>
-              <a:t>12/8/2019</a:t>
+              <a:t>12/9/2019</a:t>
             </a:fld>
             <a:endParaRPr lang="en-US"/>
           </a:p>
@@ -5134,7 +5140,7 @@
           <a:p>
             <a:fld id="{1F82C0DB-6588-40A1-968A-C55591E162EB}" type="datetimeFigureOut">
               <a:rPr lang="en-US" smtClean="0"/>
-              <a:t>12/8/2019</a:t>
+              <a:t>12/9/2019</a:t>
             </a:fld>
             <a:endParaRPr lang="en-US"/>
           </a:p>
@@ -5563,7 +5569,7 @@
           <a:p>
             <a:fld id="{1F82C0DB-6588-40A1-968A-C55591E162EB}" type="datetimeFigureOut">
               <a:rPr lang="en-US" smtClean="0"/>
-              <a:t>12/8/2019</a:t>
+              <a:t>12/9/2019</a:t>
             </a:fld>
             <a:endParaRPr lang="en-US"/>
           </a:p>
@@ -6112,10 +6118,30 @@
           <a:lstStyle/>
           <a:p>
             <a:r>
+              <a:rPr lang="en-US" dirty="0" smtClean="0">
+                <a:solidFill>
+                  <a:schemeClr val="tx1"/>
+                </a:solidFill>
+              </a:rPr>
+              <a:t>Project</a:t>
+            </a:r>
+            <a:r>
               <a:rPr lang="en-US" dirty="0" smtClean="0"/>
-              <a:t>Project Cleanup</a:t>
-            </a:r>
-            <a:endParaRPr lang="en-US" dirty="0"/>
+              <a:t> </a:t>
+            </a:r>
+            <a:r>
+              <a:rPr lang="en-US" dirty="0" smtClean="0">
+                <a:solidFill>
+                  <a:schemeClr val="tx1"/>
+                </a:solidFill>
+              </a:rPr>
+              <a:t>Cleanup</a:t>
+            </a:r>
+            <a:endParaRPr lang="en-US" dirty="0">
+              <a:solidFill>
+                <a:schemeClr val="tx1"/>
+              </a:solidFill>
+            </a:endParaRPr>
           </a:p>
         </p:txBody>
       </p:sp>
@@ -6142,34 +6168,90 @@
           <a:lstStyle/>
           <a:p>
             <a:r>
-              <a:rPr lang="en-US" dirty="0" smtClean="0"/>
+              <a:rPr lang="en-US" dirty="0" smtClean="0">
+                <a:solidFill>
+                  <a:schemeClr val="tx1"/>
+                </a:solidFill>
+              </a:rPr>
               <a:t>Ahsan Syed - </a:t>
             </a:r>
             <a:r>
-              <a:rPr lang="en-US" dirty="0" err="1" smtClean="0"/>
+              <a:rPr lang="en-US" dirty="0" err="1" smtClean="0">
+                <a:solidFill>
+                  <a:schemeClr val="tx1"/>
+                </a:solidFill>
+              </a:rPr>
               <a:t>Zoha</a:t>
             </a:r>
             <a:r>
-              <a:rPr lang="en-US" dirty="0" smtClean="0"/>
-              <a:t>  - Tahir - </a:t>
-            </a:r>
-            <a:r>
-              <a:rPr lang="en-US" dirty="0" err="1" smtClean="0"/>
+              <a:rPr lang="en-US" dirty="0" smtClean="0">
+                <a:solidFill>
+                  <a:schemeClr val="tx1"/>
+                </a:solidFill>
+              </a:rPr>
+              <a:t>  </a:t>
+            </a:r>
+            <a:r>
+              <a:rPr lang="en-US" dirty="0" err="1" smtClean="0">
+                <a:solidFill>
+                  <a:schemeClr val="tx1"/>
+                </a:solidFill>
+              </a:rPr>
+              <a:t>Salani</a:t>
+            </a:r>
+            <a:r>
+              <a:rPr lang="en-US" dirty="0" smtClean="0">
+                <a:solidFill>
+                  <a:schemeClr val="tx1"/>
+                </a:solidFill>
+              </a:rPr>
+              <a:t> – Muhammad Tahir </a:t>
+            </a:r>
+            <a:r>
+              <a:rPr lang="en-US" dirty="0" smtClean="0">
+                <a:solidFill>
+                  <a:schemeClr val="tx1"/>
+                </a:solidFill>
+              </a:rPr>
+              <a:t>- </a:t>
+            </a:r>
+            <a:r>
+              <a:rPr lang="en-US" dirty="0" err="1" smtClean="0">
+                <a:solidFill>
+                  <a:schemeClr val="tx1"/>
+                </a:solidFill>
+              </a:rPr>
               <a:t>Ashar</a:t>
             </a:r>
             <a:r>
-              <a:rPr lang="en-US" dirty="0" smtClean="0"/>
+              <a:rPr lang="en-US" dirty="0" smtClean="0">
+                <a:solidFill>
+                  <a:schemeClr val="tx1"/>
+                </a:solidFill>
+              </a:rPr>
               <a:t> </a:t>
             </a:r>
             <a:r>
-              <a:rPr lang="en-US" dirty="0" err="1" smtClean="0"/>
+              <a:rPr lang="en-US" dirty="0" err="1" smtClean="0">
+                <a:solidFill>
+                  <a:schemeClr val="tx1"/>
+                </a:solidFill>
+              </a:rPr>
               <a:t>Ayaz</a:t>
             </a:r>
             <a:r>
-              <a:rPr lang="en-US" dirty="0" smtClean="0"/>
+              <a:rPr lang="en-US" dirty="0" smtClean="0">
+                <a:solidFill>
+                  <a:schemeClr val="tx1"/>
+                </a:solidFill>
+              </a:rPr>
               <a:t> </a:t>
             </a:r>
-            <a:endParaRPr lang="en-US" dirty="0"/>
+            <a:endParaRPr lang="en-US" dirty="0">
+              <a:solidFill>
+                <a:schemeClr val="tx1"/>
+              </a:solidFill>
+            </a:endParaRPr>
           </a:p>
         </p:txBody>
       </p:sp>
@@ -6292,7 +6374,7 @@
           <a:p>
             <a:r>
               <a:rPr lang="en-US" dirty="0" smtClean="0"/>
-              <a:t>Literature Review</a:t>
+              <a:t>Concerns</a:t>
             </a:r>
             <a:endParaRPr lang="en-US" dirty="0"/>
           </a:p>
@@ -6313,21 +6395,14 @@
           <a:bodyPr/>
           <a:lstStyle/>
           <a:p>
-            <a:r>
-              <a:rPr lang="en-US" dirty="0" smtClean="0"/>
-              <a:t>Comparison </a:t>
-            </a:r>
-            <a:r>
-              <a:rPr lang="en-US" dirty="0"/>
-              <a:t>and contrast to previous &gt;= 5 works. Explain the advantages and disadvantages of existing solutions comprehensively</a:t>
-            </a:r>
+            <a:endParaRPr lang="en-US"/>
           </a:p>
         </p:txBody>
       </p:sp>
     </p:spTree>
     <p:extLst>
       <p:ext uri="{BB962C8B-B14F-4D97-AF65-F5344CB8AC3E}">
-        <p14:creationId xmlns:p14="http://schemas.microsoft.com/office/powerpoint/2010/main" val="3065723942"/>
+        <p14:creationId xmlns:p14="http://schemas.microsoft.com/office/powerpoint/2010/main" val="3910356544"/>
       </p:ext>
     </p:extLst>
   </p:cSld>
@@ -6371,7 +6446,7 @@
           <a:p>
             <a:r>
               <a:rPr lang="en-US" dirty="0" smtClean="0"/>
-              <a:t>Design</a:t>
+              <a:t>Literature Review</a:t>
             </a:r>
             <a:endParaRPr lang="en-US" dirty="0"/>
           </a:p>
@@ -6394,33 +6469,11 @@
           <a:p>
             <a:r>
               <a:rPr lang="en-US" dirty="0" smtClean="0"/>
-              <a:t>Database </a:t>
+              <a:t>Comparison </a:t>
             </a:r>
             <a:r>
               <a:rPr lang="en-US" dirty="0"/>
-              <a:t>design consistent with system requirement (if applicable) </a:t>
-            </a:r>
-            <a:endParaRPr lang="en-US" dirty="0" smtClean="0"/>
-          </a:p>
-          <a:p>
-            <a:r>
-              <a:rPr lang="en-US" dirty="0" smtClean="0"/>
-              <a:t>UML </a:t>
-            </a:r>
-            <a:r>
-              <a:rPr lang="en-US" dirty="0"/>
-              <a:t>class diagram consistent with system specification </a:t>
-            </a:r>
-            <a:endParaRPr lang="en-US" dirty="0" smtClean="0"/>
-          </a:p>
-          <a:p>
-            <a:r>
-              <a:rPr lang="en-US" dirty="0" smtClean="0"/>
-              <a:t>Explain </a:t>
-            </a:r>
-            <a:r>
-              <a:rPr lang="en-US" dirty="0"/>
-              <a:t>the technical working of their design/Algorithm.</a:t>
+              <a:t>and contrast to previous &gt;= 5 works. Explain the advantages and disadvantages of existing solutions comprehensively</a:t>
             </a:r>
           </a:p>
         </p:txBody>
@@ -6428,7 +6481,7 @@
     </p:spTree>
     <p:extLst>
       <p:ext uri="{BB962C8B-B14F-4D97-AF65-F5344CB8AC3E}">
-        <p14:creationId xmlns:p14="http://schemas.microsoft.com/office/powerpoint/2010/main" val="2336465275"/>
+        <p14:creationId xmlns:p14="http://schemas.microsoft.com/office/powerpoint/2010/main" val="3065723942"/>
       </p:ext>
     </p:extLst>
   </p:cSld>
@@ -6472,6 +6525,107 @@
           <a:p>
             <a:r>
               <a:rPr lang="en-US" dirty="0" smtClean="0"/>
+              <a:t>Design</a:t>
+            </a:r>
+            <a:endParaRPr lang="en-US" dirty="0"/>
+          </a:p>
+        </p:txBody>
+      </p:sp>
+      <p:sp>
+        <p:nvSpPr>
+          <p:cNvPr id="3" name="Content Placeholder 2"/>
+          <p:cNvSpPr>
+            <a:spLocks noGrp="1"/>
+          </p:cNvSpPr>
+          <p:nvPr>
+            <p:ph idx="1"/>
+          </p:nvPr>
+        </p:nvSpPr>
+        <p:spPr/>
+        <p:txBody>
+          <a:bodyPr/>
+          <a:lstStyle/>
+          <a:p>
+            <a:r>
+              <a:rPr lang="en-US" dirty="0" smtClean="0"/>
+              <a:t>Database </a:t>
+            </a:r>
+            <a:r>
+              <a:rPr lang="en-US" dirty="0"/>
+              <a:t>design consistent with system requirement (if applicable) </a:t>
+            </a:r>
+            <a:endParaRPr lang="en-US" dirty="0" smtClean="0"/>
+          </a:p>
+          <a:p>
+            <a:r>
+              <a:rPr lang="en-US" dirty="0" smtClean="0"/>
+              <a:t>UML </a:t>
+            </a:r>
+            <a:r>
+              <a:rPr lang="en-US" dirty="0"/>
+              <a:t>class diagram consistent with system specification </a:t>
+            </a:r>
+            <a:endParaRPr lang="en-US" dirty="0" smtClean="0"/>
+          </a:p>
+          <a:p>
+            <a:r>
+              <a:rPr lang="en-US" dirty="0" smtClean="0"/>
+              <a:t>Explain </a:t>
+            </a:r>
+            <a:r>
+              <a:rPr lang="en-US" dirty="0"/>
+              <a:t>the technical working of their design/Algorithm.</a:t>
+            </a:r>
+          </a:p>
+        </p:txBody>
+      </p:sp>
+    </p:spTree>
+    <p:extLst>
+      <p:ext uri="{BB962C8B-B14F-4D97-AF65-F5344CB8AC3E}">
+        <p14:creationId xmlns:p14="http://schemas.microsoft.com/office/powerpoint/2010/main" val="2336465275"/>
+      </p:ext>
+    </p:extLst>
+  </p:cSld>
+  <p:clrMapOvr>
+    <a:masterClrMapping/>
+  </p:clrMapOvr>
+</p:sld>
+</file>
+
+<file path=ppt/slides/slide6.xml><?xml version="1.0" encoding="utf-8"?>
+<p:sld xmlns:a="http://schemas.openxmlformats.org/drawingml/2006/main" xmlns:r="http://schemas.openxmlformats.org/officeDocument/2006/relationships" xmlns:p="http://schemas.openxmlformats.org/presentationml/2006/main">
+  <p:cSld>
+    <p:spTree>
+      <p:nvGrpSpPr>
+        <p:cNvPr id="1" name=""/>
+        <p:cNvGrpSpPr/>
+        <p:nvPr/>
+      </p:nvGrpSpPr>
+      <p:grpSpPr>
+        <a:xfrm>
+          <a:off x="0" y="0"/>
+          <a:ext cx="0" cy="0"/>
+          <a:chOff x="0" y="0"/>
+          <a:chExt cx="0" cy="0"/>
+        </a:xfrm>
+      </p:grpSpPr>
+      <p:sp>
+        <p:nvSpPr>
+          <p:cNvPr id="2" name="Title 1"/>
+          <p:cNvSpPr>
+            <a:spLocks noGrp="1"/>
+          </p:cNvSpPr>
+          <p:nvPr>
+            <p:ph type="title"/>
+          </p:nvPr>
+        </p:nvSpPr>
+        <p:spPr/>
+        <p:txBody>
+          <a:bodyPr/>
+          <a:lstStyle/>
+          <a:p>
+            <a:r>
+              <a:rPr lang="en-US" dirty="0" smtClean="0"/>
               <a:t>Prototype</a:t>
             </a:r>
             <a:endParaRPr lang="en-US" dirty="0"/>
@@ -6531,7 +6685,7 @@
 </p:sld>
 </file>
 
-<file path=ppt/slides/slide6.xml><?xml version="1.0" encoding="utf-8"?>
+<file path=ppt/slides/slide7.xml><?xml version="1.0" encoding="utf-8"?>
 <p:sld xmlns:a="http://schemas.openxmlformats.org/drawingml/2006/main" xmlns:r="http://schemas.openxmlformats.org/officeDocument/2006/relationships" xmlns:p="http://schemas.openxmlformats.org/presentationml/2006/main">
   <p:cSld>
     <p:spTree>
